--- a/Java Урок 13 ООП. Перерахування. Вкладені класи.pptx
+++ b/Java Урок 13 ООП. Перерахування. Вкладені класи.pptx
@@ -211,7 +211,7 @@
           <a:p>
             <a:fld id="{5C4D2F2B-D9A5-4006-8636-0D7227425F12}" type="datetimeFigureOut">
               <a:rPr lang="uk-UA" smtClean="0"/>
-              <a:t>31.01.2024</a:t>
+              <a:t>27.09.2024</a:t>
             </a:fld>
             <a:endParaRPr lang="uk-UA"/>
           </a:p>
@@ -713,7 +713,7 @@
           <a:p>
             <a:fld id="{86815C14-2D1E-4708-9F6B-065B17CFE46D}" type="datetimeFigureOut">
               <a:rPr lang="uk-UA" smtClean="0"/>
-              <a:t>31.01.2024</a:t>
+              <a:t>27.09.2024</a:t>
             </a:fld>
             <a:endParaRPr lang="uk-UA"/>
           </a:p>
@@ -913,7 +913,7 @@
           <a:p>
             <a:fld id="{86815C14-2D1E-4708-9F6B-065B17CFE46D}" type="datetimeFigureOut">
               <a:rPr lang="uk-UA" smtClean="0"/>
-              <a:t>31.01.2024</a:t>
+              <a:t>27.09.2024</a:t>
             </a:fld>
             <a:endParaRPr lang="uk-UA"/>
           </a:p>
@@ -1123,7 +1123,7 @@
           <a:p>
             <a:fld id="{86815C14-2D1E-4708-9F6B-065B17CFE46D}" type="datetimeFigureOut">
               <a:rPr lang="uk-UA" smtClean="0"/>
-              <a:t>31.01.2024</a:t>
+              <a:t>27.09.2024</a:t>
             </a:fld>
             <a:endParaRPr lang="uk-UA"/>
           </a:p>
@@ -1446,7 +1446,7 @@
           <a:p>
             <a:fld id="{86815C14-2D1E-4708-9F6B-065B17CFE46D}" type="datetimeFigureOut">
               <a:rPr lang="uk-UA" smtClean="0"/>
-              <a:t>31.01.2024</a:t>
+              <a:t>27.09.2024</a:t>
             </a:fld>
             <a:endParaRPr lang="uk-UA"/>
           </a:p>
@@ -1722,7 +1722,7 @@
           <a:p>
             <a:fld id="{86815C14-2D1E-4708-9F6B-065B17CFE46D}" type="datetimeFigureOut">
               <a:rPr lang="uk-UA" smtClean="0"/>
-              <a:t>31.01.2024</a:t>
+              <a:t>27.09.2024</a:t>
             </a:fld>
             <a:endParaRPr lang="uk-UA"/>
           </a:p>
@@ -1990,7 +1990,7 @@
           <a:p>
             <a:fld id="{86815C14-2D1E-4708-9F6B-065B17CFE46D}" type="datetimeFigureOut">
               <a:rPr lang="uk-UA" smtClean="0"/>
-              <a:t>31.01.2024</a:t>
+              <a:t>27.09.2024</a:t>
             </a:fld>
             <a:endParaRPr lang="uk-UA"/>
           </a:p>
@@ -2405,7 +2405,7 @@
           <a:p>
             <a:fld id="{86815C14-2D1E-4708-9F6B-065B17CFE46D}" type="datetimeFigureOut">
               <a:rPr lang="uk-UA" smtClean="0"/>
-              <a:t>31.01.2024</a:t>
+              <a:t>27.09.2024</a:t>
             </a:fld>
             <a:endParaRPr lang="uk-UA"/>
           </a:p>
@@ -2547,7 +2547,7 @@
           <a:p>
             <a:fld id="{86815C14-2D1E-4708-9F6B-065B17CFE46D}" type="datetimeFigureOut">
               <a:rPr lang="uk-UA" smtClean="0"/>
-              <a:t>31.01.2024</a:t>
+              <a:t>27.09.2024</a:t>
             </a:fld>
             <a:endParaRPr lang="uk-UA"/>
           </a:p>
@@ -2660,7 +2660,7 @@
           <a:p>
             <a:fld id="{86815C14-2D1E-4708-9F6B-065B17CFE46D}" type="datetimeFigureOut">
               <a:rPr lang="uk-UA" smtClean="0"/>
-              <a:t>31.01.2024</a:t>
+              <a:t>27.09.2024</a:t>
             </a:fld>
             <a:endParaRPr lang="uk-UA"/>
           </a:p>
@@ -2973,7 +2973,7 @@
           <a:p>
             <a:fld id="{86815C14-2D1E-4708-9F6B-065B17CFE46D}" type="datetimeFigureOut">
               <a:rPr lang="uk-UA" smtClean="0"/>
-              <a:t>31.01.2024</a:t>
+              <a:t>27.09.2024</a:t>
             </a:fld>
             <a:endParaRPr lang="uk-UA"/>
           </a:p>
@@ -3262,7 +3262,7 @@
           <a:p>
             <a:fld id="{86815C14-2D1E-4708-9F6B-065B17CFE46D}" type="datetimeFigureOut">
               <a:rPr lang="uk-UA" smtClean="0"/>
-              <a:t>31.01.2024</a:t>
+              <a:t>27.09.2024</a:t>
             </a:fld>
             <a:endParaRPr lang="uk-UA"/>
           </a:p>
@@ -3505,7 +3505,7 @@
           <a:p>
             <a:fld id="{86815C14-2D1E-4708-9F6B-065B17CFE46D}" type="datetimeFigureOut">
               <a:rPr lang="uk-UA" smtClean="0"/>
-              <a:t>31.01.2024</a:t>
+              <a:t>27.09.2024</a:t>
             </a:fld>
             <a:endParaRPr lang="uk-UA"/>
           </a:p>
@@ -4071,12 +4071,12 @@
           <a:graphicData uri="http://schemas.openxmlformats.org/presentationml/2006/ole">
             <mc:AlternateContent xmlns:mc="http://schemas.openxmlformats.org/markup-compatibility/2006">
               <mc:Choice xmlns:v="urn:schemas-microsoft-com:vml" Requires="v">
-                <p:oleObj spid="_x0000_s5176" name="Visio" r:id="rId3" imgW="2878919" imgH="2072550" progId="Visio.Drawing.11">
+                <p:oleObj name="Visio" r:id="rId2" imgW="2878919" imgH="2072550" progId="Visio.Drawing.11">
                   <p:embed/>
                 </p:oleObj>
               </mc:Choice>
               <mc:Fallback>
-                <p:oleObj name="Visio" r:id="rId3" imgW="2878919" imgH="2072550" progId="Visio.Drawing.11">
+                <p:oleObj name="Visio" r:id="rId2" imgW="2878919" imgH="2072550" progId="Visio.Drawing.11">
                   <p:embed/>
                   <p:pic>
                     <p:nvPicPr>
@@ -4087,7 +4087,7 @@
                       <p:nvPr/>
                     </p:nvPicPr>
                     <p:blipFill>
-                      <a:blip r:embed="rId4">
+                      <a:blip r:embed="rId3">
                         <a:extLst>
                           <a:ext uri="{28A0092B-C50C-407E-A947-70E740481C1C}">
                             <a14:useLocalDpi xmlns:a14="http://schemas.microsoft.com/office/drawing/2010/main" val="0"/>
@@ -4341,12 +4341,12 @@
           <a:graphicData uri="http://schemas.openxmlformats.org/presentationml/2006/ole">
             <mc:AlternateContent xmlns:mc="http://schemas.openxmlformats.org/markup-compatibility/2006">
               <mc:Choice xmlns:v="urn:schemas-microsoft-com:vml" Requires="v">
-                <p:oleObj spid="_x0000_s5177" name="Visio" r:id="rId5" imgW="360641" imgH="505046" progId="Visio.Drawing.11">
+                <p:oleObj name="Visio" r:id="rId4" imgW="360641" imgH="505046" progId="Visio.Drawing.11">
                   <p:embed/>
                 </p:oleObj>
               </mc:Choice>
               <mc:Fallback>
-                <p:oleObj name="Visio" r:id="rId5" imgW="360641" imgH="505046" progId="Visio.Drawing.11">
+                <p:oleObj name="Visio" r:id="rId4" imgW="360641" imgH="505046" progId="Visio.Drawing.11">
                   <p:embed/>
                   <p:pic>
                     <p:nvPicPr>
@@ -4357,7 +4357,7 @@
                       <p:nvPr/>
                     </p:nvPicPr>
                     <p:blipFill>
-                      <a:blip r:embed="rId6">
+                      <a:blip r:embed="rId5">
                         <a:extLst>
                           <a:ext uri="{28A0092B-C50C-407E-A947-70E740481C1C}">
                             <a14:useLocalDpi xmlns:a14="http://schemas.microsoft.com/office/drawing/2010/main" val="0"/>
@@ -4424,12 +4424,12 @@
           <a:graphicData uri="http://schemas.openxmlformats.org/presentationml/2006/ole">
             <mc:AlternateContent xmlns:mc="http://schemas.openxmlformats.org/markup-compatibility/2006">
               <mc:Choice xmlns:v="urn:schemas-microsoft-com:vml" Requires="v">
-                <p:oleObj spid="_x0000_s5178" name="Visio" r:id="rId7" imgW="4723425" imgH="1736753" progId="Visio.Drawing.11">
+                <p:oleObj name="Visio" r:id="rId6" imgW="4723425" imgH="1736753" progId="Visio.Drawing.11">
                   <p:embed/>
                 </p:oleObj>
               </mc:Choice>
               <mc:Fallback>
-                <p:oleObj name="Visio" r:id="rId7" imgW="4723425" imgH="1736753" progId="Visio.Drawing.11">
+                <p:oleObj name="Visio" r:id="rId6" imgW="4723425" imgH="1736753" progId="Visio.Drawing.11">
                   <p:embed/>
                   <p:pic>
                     <p:nvPicPr>
@@ -4440,7 +4440,7 @@
                       <p:nvPr/>
                     </p:nvPicPr>
                     <p:blipFill>
-                      <a:blip r:embed="rId8">
+                      <a:blip r:embed="rId7">
                         <a:extLst>
                           <a:ext uri="{28A0092B-C50C-407E-A947-70E740481C1C}">
                             <a14:useLocalDpi xmlns:a14="http://schemas.microsoft.com/office/drawing/2010/main" val="0"/>
@@ -4699,12 +4699,12 @@
           <a:graphicData uri="http://schemas.openxmlformats.org/presentationml/2006/ole">
             <mc:AlternateContent xmlns:mc="http://schemas.openxmlformats.org/markup-compatibility/2006">
               <mc:Choice xmlns:v="urn:schemas-microsoft-com:vml" Requires="v">
-                <p:oleObj spid="_x0000_s4134" name="Visio" r:id="rId3" imgW="3465771" imgH="1397716" progId="Visio.Drawing.11">
+                <p:oleObj name="Visio" r:id="rId2" imgW="3465771" imgH="1397716" progId="Visio.Drawing.11">
                   <p:embed/>
                 </p:oleObj>
               </mc:Choice>
               <mc:Fallback>
-                <p:oleObj name="Visio" r:id="rId3" imgW="3465771" imgH="1397716" progId="Visio.Drawing.11">
+                <p:oleObj name="Visio" r:id="rId2" imgW="3465771" imgH="1397716" progId="Visio.Drawing.11">
                   <p:embed/>
                   <p:pic>
                     <p:nvPicPr>
@@ -4715,7 +4715,7 @@
                       <p:nvPr/>
                     </p:nvPicPr>
                     <p:blipFill>
-                      <a:blip r:embed="rId4">
+                      <a:blip r:embed="rId3">
                         <a:extLst>
                           <a:ext uri="{28A0092B-C50C-407E-A947-70E740481C1C}">
                             <a14:useLocalDpi xmlns:a14="http://schemas.microsoft.com/office/drawing/2010/main" val="0"/>
@@ -4782,12 +4782,12 @@
           <a:graphicData uri="http://schemas.openxmlformats.org/presentationml/2006/ole">
             <mc:AlternateContent xmlns:mc="http://schemas.openxmlformats.org/markup-compatibility/2006">
               <mc:Choice xmlns:v="urn:schemas-microsoft-com:vml" Requires="v">
-                <p:oleObj spid="_x0000_s4135" name="Visio" r:id="rId5" imgW="4639474" imgH="1569124" progId="Visio.Drawing.11">
+                <p:oleObj name="Visio" r:id="rId4" imgW="4639474" imgH="1569124" progId="Visio.Drawing.11">
                   <p:embed/>
                 </p:oleObj>
               </mc:Choice>
               <mc:Fallback>
-                <p:oleObj name="Visio" r:id="rId5" imgW="4639474" imgH="1569124" progId="Visio.Drawing.11">
+                <p:oleObj name="Visio" r:id="rId4" imgW="4639474" imgH="1569124" progId="Visio.Drawing.11">
                   <p:embed/>
                   <p:pic>
                     <p:nvPicPr>
@@ -4798,7 +4798,7 @@
                       <p:nvPr/>
                     </p:nvPicPr>
                     <p:blipFill>
-                      <a:blip r:embed="rId6">
+                      <a:blip r:embed="rId5">
                         <a:extLst>
                           <a:ext uri="{28A0092B-C50C-407E-A947-70E740481C1C}">
                             <a14:useLocalDpi xmlns:a14="http://schemas.microsoft.com/office/drawing/2010/main" val="0"/>
@@ -5156,12 +5156,12 @@
           <a:graphicData uri="http://schemas.openxmlformats.org/presentationml/2006/ole">
             <mc:AlternateContent xmlns:mc="http://schemas.openxmlformats.org/markup-compatibility/2006">
               <mc:Choice xmlns:v="urn:schemas-microsoft-com:vml" Requires="v">
-                <p:oleObj spid="_x0000_s6164" name="Visio" r:id="rId3" imgW="4136574" imgH="3587687" progId="Visio.Drawing.11">
+                <p:oleObj name="Visio" r:id="rId2" imgW="4136574" imgH="3587687" progId="Visio.Drawing.11">
                   <p:embed/>
                 </p:oleObj>
               </mc:Choice>
               <mc:Fallback>
-                <p:oleObj name="Visio" r:id="rId3" imgW="4136574" imgH="3587687" progId="Visio.Drawing.11">
+                <p:oleObj name="Visio" r:id="rId2" imgW="4136574" imgH="3587687" progId="Visio.Drawing.11">
                   <p:embed/>
                   <p:pic>
                     <p:nvPicPr>
@@ -5172,7 +5172,7 @@
                       <p:nvPr/>
                     </p:nvPicPr>
                     <p:blipFill>
-                      <a:blip r:embed="rId4">
+                      <a:blip r:embed="rId3">
                         <a:extLst>
                           <a:ext uri="{28A0092B-C50C-407E-A947-70E740481C1C}">
                             <a14:useLocalDpi xmlns:a14="http://schemas.microsoft.com/office/drawing/2010/main" val="0"/>
@@ -5475,12 +5475,12 @@
           <a:graphicData uri="http://schemas.openxmlformats.org/presentationml/2006/ole">
             <mc:AlternateContent xmlns:mc="http://schemas.openxmlformats.org/markup-compatibility/2006">
               <mc:Choice xmlns:v="urn:schemas-microsoft-com:vml" Requires="v">
-                <p:oleObj spid="_x0000_s7188" name="Visio" r:id="rId3" imgW="4807107" imgH="3753156" progId="Visio.Drawing.11">
+                <p:oleObj name="Visio" r:id="rId2" imgW="4807107" imgH="3753156" progId="Visio.Drawing.11">
                   <p:embed/>
                 </p:oleObj>
               </mc:Choice>
               <mc:Fallback>
-                <p:oleObj name="Visio" r:id="rId3" imgW="4807107" imgH="3753156" progId="Visio.Drawing.11">
+                <p:oleObj name="Visio" r:id="rId2" imgW="4807107" imgH="3753156" progId="Visio.Drawing.11">
                   <p:embed/>
                   <p:pic>
                     <p:nvPicPr>
@@ -5491,7 +5491,7 @@
                       <p:nvPr/>
                     </p:nvPicPr>
                     <p:blipFill>
-                      <a:blip r:embed="rId4">
+                      <a:blip r:embed="rId3">
                         <a:extLst>
                           <a:ext uri="{28A0092B-C50C-407E-A947-70E740481C1C}">
                             <a14:useLocalDpi xmlns:a14="http://schemas.microsoft.com/office/drawing/2010/main" val="0"/>
@@ -6295,12 +6295,12 @@
           <a:graphicData uri="http://schemas.openxmlformats.org/presentationml/2006/ole">
             <mc:AlternateContent xmlns:mc="http://schemas.openxmlformats.org/markup-compatibility/2006">
               <mc:Choice xmlns:v="urn:schemas-microsoft-com:vml" Requires="v">
-                <p:oleObj spid="_x0000_s1044" name="Visio" r:id="rId3" imgW="3579956" imgH="720723" progId="Visio.Drawing.11">
+                <p:oleObj name="Visio" r:id="rId2" imgW="3579956" imgH="720723" progId="Visio.Drawing.11">
                   <p:embed/>
                 </p:oleObj>
               </mc:Choice>
               <mc:Fallback>
-                <p:oleObj name="Visio" r:id="rId3" imgW="3579956" imgH="720723" progId="Visio.Drawing.11">
+                <p:oleObj name="Visio" r:id="rId2" imgW="3579956" imgH="720723" progId="Visio.Drawing.11">
                   <p:embed/>
                   <p:pic>
                     <p:nvPicPr>
@@ -6311,7 +6311,7 @@
                       <p:nvPr/>
                     </p:nvPicPr>
                     <p:blipFill>
-                      <a:blip r:embed="rId4">
+                      <a:blip r:embed="rId3">
                         <a:extLst>
                           <a:ext uri="{28A0092B-C50C-407E-A947-70E740481C1C}">
                             <a14:useLocalDpi xmlns:a14="http://schemas.microsoft.com/office/drawing/2010/main" val="0"/>
@@ -6784,12 +6784,12 @@
           <a:graphicData uri="http://schemas.openxmlformats.org/presentationml/2006/ole">
             <mc:AlternateContent xmlns:mc="http://schemas.openxmlformats.org/markup-compatibility/2006">
               <mc:Choice xmlns:v="urn:schemas-microsoft-com:vml" Requires="v">
-                <p:oleObj spid="_x0000_s2086" name="Visio" r:id="rId4" imgW="5629322" imgH="3171752" progId="Visio.Drawing.11">
+                <p:oleObj name="Visio" r:id="rId3" imgW="5629322" imgH="3171752" progId="Visio.Drawing.11">
                   <p:embed/>
                 </p:oleObj>
               </mc:Choice>
               <mc:Fallback>
-                <p:oleObj name="Visio" r:id="rId4" imgW="5629322" imgH="3171752" progId="Visio.Drawing.11">
+                <p:oleObj name="Visio" r:id="rId3" imgW="5629322" imgH="3171752" progId="Visio.Drawing.11">
                   <p:embed/>
                   <p:pic>
                     <p:nvPicPr>
@@ -6800,7 +6800,7 @@
                       <p:nvPr/>
                     </p:nvPicPr>
                     <p:blipFill>
-                      <a:blip r:embed="rId5"/>
+                      <a:blip r:embed="rId4"/>
                       <a:srcRect/>
                       <a:stretch>
                         <a:fillRect/>
@@ -7048,12 +7048,12 @@
           <a:graphicData uri="http://schemas.openxmlformats.org/presentationml/2006/ole">
             <mc:AlternateContent xmlns:mc="http://schemas.openxmlformats.org/markup-compatibility/2006">
               <mc:Choice xmlns:v="urn:schemas-microsoft-com:vml" Requires="v">
-                <p:oleObj spid="_x0000_s2087" name="Visio" r:id="rId6" imgW="4200622" imgH="447792" progId="Visio.Drawing.11">
+                <p:oleObj name="Visio" r:id="rId5" imgW="4200622" imgH="447792" progId="Visio.Drawing.11">
                   <p:embed/>
                 </p:oleObj>
               </mc:Choice>
               <mc:Fallback>
-                <p:oleObj name="Visio" r:id="rId6" imgW="4200622" imgH="447792" progId="Visio.Drawing.11">
+                <p:oleObj name="Visio" r:id="rId5" imgW="4200622" imgH="447792" progId="Visio.Drawing.11">
                   <p:embed/>
                   <p:pic>
                     <p:nvPicPr>
@@ -7064,7 +7064,7 @@
                       <p:nvPr/>
                     </p:nvPicPr>
                     <p:blipFill>
-                      <a:blip r:embed="rId7"/>
+                      <a:blip r:embed="rId6"/>
                       <a:srcRect/>
                       <a:stretch>
                         <a:fillRect/>
@@ -7188,12 +7188,12 @@
           <a:graphicData uri="http://schemas.openxmlformats.org/presentationml/2006/ole">
             <mc:AlternateContent xmlns:mc="http://schemas.openxmlformats.org/markup-compatibility/2006">
               <mc:Choice xmlns:v="urn:schemas-microsoft-com:vml" Requires="v">
-                <p:oleObj spid="_x0000_s3110" name="Visio" r:id="rId3" imgW="5800699" imgH="2171726" progId="Visio.Drawing.11">
+                <p:oleObj name="Visio" r:id="rId2" imgW="5800699" imgH="2171726" progId="Visio.Drawing.11">
                   <p:embed/>
                 </p:oleObj>
               </mc:Choice>
               <mc:Fallback>
-                <p:oleObj name="Visio" r:id="rId3" imgW="5800699" imgH="2171726" progId="Visio.Drawing.11">
+                <p:oleObj name="Visio" r:id="rId2" imgW="5800699" imgH="2171726" progId="Visio.Drawing.11">
                   <p:embed/>
                   <p:pic>
                     <p:nvPicPr>
@@ -7204,7 +7204,7 @@
                       <p:nvPr/>
                     </p:nvPicPr>
                     <p:blipFill>
-                      <a:blip r:embed="rId4"/>
+                      <a:blip r:embed="rId3"/>
                       <a:srcRect/>
                       <a:stretch>
                         <a:fillRect/>
@@ -7265,12 +7265,12 @@
           <a:graphicData uri="http://schemas.openxmlformats.org/presentationml/2006/ole">
             <mc:AlternateContent xmlns:mc="http://schemas.openxmlformats.org/markup-compatibility/2006">
               <mc:Choice xmlns:v="urn:schemas-microsoft-com:vml" Requires="v">
-                <p:oleObj spid="_x0000_s3111" name="Visio" r:id="rId5" imgW="5181722" imgH="1323924" progId="Visio.Drawing.11">
+                <p:oleObj name="Visio" r:id="rId4" imgW="5181722" imgH="1323924" progId="Visio.Drawing.11">
                   <p:embed/>
                 </p:oleObj>
               </mc:Choice>
               <mc:Fallback>
-                <p:oleObj name="Visio" r:id="rId5" imgW="5181722" imgH="1323924" progId="Visio.Drawing.11">
+                <p:oleObj name="Visio" r:id="rId4" imgW="5181722" imgH="1323924" progId="Visio.Drawing.11">
                   <p:embed/>
                   <p:pic>
                     <p:nvPicPr>
@@ -7281,7 +7281,7 @@
                       <p:nvPr/>
                     </p:nvPicPr>
                     <p:blipFill>
-                      <a:blip r:embed="rId6"/>
+                      <a:blip r:embed="rId5"/>
                       <a:srcRect/>
                       <a:stretch>
                         <a:fillRect/>
@@ -7688,13 +7688,13 @@
         </p:nvSpPr>
         <p:spPr>
           <a:xfrm>
-            <a:off x="405352" y="292230"/>
-            <a:ext cx="10341206" cy="5307292"/>
+            <a:off x="405351" y="167148"/>
+            <a:ext cx="11580171" cy="6690851"/>
           </a:xfrm>
         </p:spPr>
         <p:txBody>
           <a:bodyPr numCol="2">
-            <a:normAutofit lnSpcReduction="10000"/>
+            <a:normAutofit/>
           </a:bodyPr>
           <a:lstStyle/>
           <a:p>
